--- a/UnitTesting_IBK/slides/Unit Testing.pptx
+++ b/UnitTesting_IBK/slides/Unit Testing.pptx
@@ -244,7 +244,7 @@
             <a:fld id="{C7097F9A-6A60-412B-9E44-15E9E5DBB408}" type="datetimeFigureOut">
               <a:rPr lang="es-PE" smtClean="0"/>
               <a:pPr/>
-              <a:t>20/02/2013</a:t>
+              <a:t>3/9/15</a:t>
             </a:fld>
             <a:endParaRPr lang="es-PE"/>
           </a:p>
@@ -406,7 +406,7 @@
             <a:fld id="{5A53A90A-E7AE-40C6-BCEC-A0E5501EB44B}" type="slidenum">
               <a:rPr lang="es-PE" smtClean="0"/>
               <a:pPr/>
-              <a:t>‹Nº›</a:t>
+              <a:t>‹#›</a:t>
             </a:fld>
             <a:endParaRPr lang="es-PE"/>
           </a:p>
@@ -3100,7 +3100,7 @@
             <a:fld id="{988DCD8E-359C-4846-B620-27D18A43E7D2}" type="slidenum">
               <a:rPr lang="es-ES"/>
               <a:pPr/>
-              <a:t>‹Nº›</a:t>
+              <a:t>‹#›</a:t>
             </a:fld>
             <a:endParaRPr lang="es-ES"/>
           </a:p>
@@ -3274,7 +3274,7 @@
             <a:fld id="{FDE8B4F1-5A8E-45BA-824E-59DD95462AFE}" type="slidenum">
               <a:rPr lang="es-ES"/>
               <a:pPr/>
-              <a:t>‹Nº›</a:t>
+              <a:t>‹#›</a:t>
             </a:fld>
             <a:endParaRPr lang="es-ES"/>
           </a:p>
@@ -3458,7 +3458,7 @@
             <a:fld id="{D5B7F632-CE7E-47CC-8E34-4E39BFE0B843}" type="slidenum">
               <a:rPr lang="es-ES"/>
               <a:pPr/>
-              <a:t>‹Nº›</a:t>
+              <a:t>‹#›</a:t>
             </a:fld>
             <a:endParaRPr lang="es-ES"/>
           </a:p>
@@ -3632,7 +3632,7 @@
             <a:fld id="{51624654-787E-4B75-B242-967A70201363}" type="slidenum">
               <a:rPr lang="es-ES"/>
               <a:pPr/>
-              <a:t>‹Nº›</a:t>
+              <a:t>‹#›</a:t>
             </a:fld>
             <a:endParaRPr lang="es-ES"/>
           </a:p>
@@ -3828,7 +3828,7 @@
             <a:fld id="{F0907786-2FA3-4BEC-8C29-26736E99D88D}" type="slidenum">
               <a:rPr lang="es-ES"/>
               <a:pPr/>
-              <a:t>‹Nº›</a:t>
+              <a:t>‹#›</a:t>
             </a:fld>
             <a:endParaRPr lang="es-ES"/>
           </a:p>
@@ -4120,7 +4120,7 @@
             <a:fld id="{69EE8635-8F07-4F76-843B-AE914207E6E1}" type="slidenum">
               <a:rPr lang="es-ES"/>
               <a:pPr/>
-              <a:t>‹Nº›</a:t>
+              <a:t>‹#›</a:t>
             </a:fld>
             <a:endParaRPr lang="es-ES"/>
           </a:p>
@@ -4546,7 +4546,7 @@
             <a:fld id="{6E88915C-A11D-4D06-8324-29ADD0D5A1B0}" type="slidenum">
               <a:rPr lang="es-ES"/>
               <a:pPr/>
-              <a:t>‹Nº›</a:t>
+              <a:t>‹#›</a:t>
             </a:fld>
             <a:endParaRPr lang="es-ES"/>
           </a:p>
@@ -4668,7 +4668,7 @@
             <a:fld id="{321293C1-F390-4976-B8BF-7E8E10B733C2}" type="slidenum">
               <a:rPr lang="es-ES"/>
               <a:pPr/>
-              <a:t>‹Nº›</a:t>
+              <a:t>‹#›</a:t>
             </a:fld>
             <a:endParaRPr lang="es-ES"/>
           </a:p>
@@ -4767,7 +4767,7 @@
             <a:fld id="{DFB5A14F-E3EA-4F50-9020-BAD6E9D43D8E}" type="slidenum">
               <a:rPr lang="es-ES"/>
               <a:pPr/>
-              <a:t>‹Nº›</a:t>
+              <a:t>‹#›</a:t>
             </a:fld>
             <a:endParaRPr lang="es-ES"/>
           </a:p>
@@ -5048,7 +5048,7 @@
             <a:fld id="{8F9B08D7-28A9-41EC-ADC4-02E79690EDB0}" type="slidenum">
               <a:rPr lang="es-ES"/>
               <a:pPr/>
-              <a:t>‹Nº›</a:t>
+              <a:t>‹#›</a:t>
             </a:fld>
             <a:endParaRPr lang="es-ES"/>
           </a:p>
@@ -5305,7 +5305,7 @@
             <a:fld id="{7AE59E2A-AA2C-40FC-AEB4-BCE942AB8D6A}" type="slidenum">
               <a:rPr lang="es-ES"/>
               <a:pPr/>
-              <a:t>‹Nº›</a:t>
+              <a:t>‹#›</a:t>
             </a:fld>
             <a:endParaRPr lang="es-ES"/>
           </a:p>
@@ -5596,7 +5596,7 @@
             <a:fld id="{65652EF9-8E9A-4B74-9781-8CDB2D382BFF}" type="slidenum">
               <a:rPr lang="es-ES"/>
               <a:pPr/>
-              <a:t>‹Nº›</a:t>
+              <a:t>‹#›</a:t>
             </a:fld>
             <a:endParaRPr lang="es-ES"/>
           </a:p>
@@ -6132,14 +6132,14 @@
             <a:noFill/>
           </a:ln>
           <a:extLst>
-            <a:ext uri="{909E8E84-426E-40DD-AFC4-6F175D3DCCD1}">
+            <a:ext uri="{909E8E84-426E-40dd-AFC4-6F175D3DCCD1}">
               <a14:hiddenFill xmlns:a14="http://schemas.microsoft.com/office/drawing/2010/main">
                 <a:solidFill>
                   <a:srgbClr val="FFFFFF"/>
                 </a:solidFill>
               </a14:hiddenFill>
             </a:ext>
-            <a:ext uri="{91240B29-F687-4F45-9708-019B960494DF}">
+            <a:ext uri="{91240B29-F687-4f45-9708-019B960494DF}">
               <a14:hiddenLine xmlns:a14="http://schemas.microsoft.com/office/drawing/2010/main" w="9525">
                 <a:solidFill>
                   <a:srgbClr val="000000"/>
@@ -6557,13 +6557,6 @@
               </a:rPr>
               <a:t>angel.nunez@openedgetech.com</a:t>
             </a:r>
-            <a:endParaRPr lang="es-PE" sz="2000" dirty="0" smtClean="0">
-              <a:solidFill>
-                <a:srgbClr val="262626"/>
-              </a:solidFill>
-              <a:latin typeface="Calibri" pitchFamily="34" charset="0"/>
-              <a:cs typeface="+mn-cs"/>
-            </a:endParaRPr>
           </a:p>
           <a:p>
             <a:pPr eaLnBrk="1" hangingPunct="1">
@@ -6653,7 +6646,7 @@
   <p:timing>
     <p:tnLst>
       <p:par>
-        <p:cTn id="1" dur="indefinite" restart="never" nodeType="tmRoot"/>
+        <p:cTn xmlns:p14="http://schemas.microsoft.com/office/powerpoint/2010/main" id="1" dur="indefinite" restart="never" nodeType="tmRoot"/>
       </p:par>
     </p:tnLst>
   </p:timing>
@@ -8506,7 +8499,7 @@
   <p:timing>
     <p:tnLst>
       <p:par>
-        <p:cTn id="1" dur="indefinite" restart="never" nodeType="tmRoot"/>
+        <p:cTn xmlns:p14="http://schemas.microsoft.com/office/powerpoint/2010/main" id="1" dur="indefinite" restart="never" nodeType="tmRoot"/>
       </p:par>
     </p:tnLst>
   </p:timing>
@@ -8695,7 +8688,7 @@
   <p:timing>
     <p:tnLst>
       <p:par>
-        <p:cTn id="1" dur="indefinite" restart="never" nodeType="tmRoot"/>
+        <p:cTn xmlns:p14="http://schemas.microsoft.com/office/powerpoint/2010/main" id="1" dur="indefinite" restart="never" nodeType="tmRoot"/>
       </p:par>
     </p:tnLst>
   </p:timing>
@@ -8784,14 +8777,14 @@
           </a:ln>
           <a:effectLst/>
           <a:extLst>
-            <a:ext uri="{909E8E84-426E-40DD-AFC4-6F175D3DCCD1}">
+            <a:ext uri="{909E8E84-426E-40dd-AFC4-6F175D3DCCD1}">
               <a14:hiddenFill xmlns:a14="http://schemas.microsoft.com/office/drawing/2010/main">
                 <a:solidFill>
                   <a:schemeClr val="accent1"/>
                 </a:solidFill>
               </a14:hiddenFill>
             </a:ext>
-            <a:ext uri="{91240B29-F687-4F45-9708-019B960494DF}">
+            <a:ext uri="{91240B29-F687-4f45-9708-019B960494DF}">
               <a14:hiddenLine xmlns:a14="http://schemas.microsoft.com/office/drawing/2010/main" w="9525">
                 <a:solidFill>
                   <a:schemeClr val="tx1"/>
@@ -8801,7 +8794,7 @@
                 <a:tailEnd/>
               </a14:hiddenLine>
             </a:ext>
-            <a:ext uri="{AF507438-7753-43E0-B8FC-AC1667EBCBE1}">
+            <a:ext uri="{AF507438-7753-43e0-B8FC-AC1667EBCBE1}">
               <a14:hiddenEffects xmlns:a14="http://schemas.microsoft.com/office/drawing/2010/main">
                 <a:effectLst>
                   <a:outerShdw dist="35921" dir="2700000" algn="ctr" rotWithShape="0">
@@ -8972,7 +8965,7 @@
   <p:timing>
     <p:tnLst>
       <p:par>
-        <p:cTn id="1" dur="indefinite" restart="never" nodeType="tmRoot"/>
+        <p:cTn xmlns:p14="http://schemas.microsoft.com/office/powerpoint/2010/main" id="1" dur="indefinite" restart="never" nodeType="tmRoot"/>
       </p:par>
     </p:tnLst>
   </p:timing>
@@ -9441,7 +9434,7 @@
   <p:timing>
     <p:tnLst>
       <p:par>
-        <p:cTn id="1" dur="indefinite" restart="never" nodeType="tmRoot"/>
+        <p:cTn xmlns:p14="http://schemas.microsoft.com/office/powerpoint/2010/main" id="1" dur="indefinite" restart="never" nodeType="tmRoot"/>
       </p:par>
     </p:tnLst>
   </p:timing>
@@ -9552,7 +9545,7 @@
   <p:timing>
     <p:tnLst>
       <p:par>
-        <p:cTn id="1" dur="indefinite" restart="never" nodeType="tmRoot"/>
+        <p:cTn xmlns:p14="http://schemas.microsoft.com/office/powerpoint/2010/main" id="1" dur="indefinite" restart="never" nodeType="tmRoot"/>
       </p:par>
     </p:tnLst>
   </p:timing>
@@ -10538,7 +10531,7 @@
   <p:timing>
     <p:tnLst>
       <p:par>
-        <p:cTn id="1" dur="indefinite" restart="never" nodeType="tmRoot"/>
+        <p:cTn xmlns:p14="http://schemas.microsoft.com/office/powerpoint/2010/main" id="1" dur="indefinite" restart="never" nodeType="tmRoot"/>
       </p:par>
     </p:tnLst>
   </p:timing>
@@ -13250,7 +13243,7 @@
   <p:timing>
     <p:tnLst>
       <p:par>
-        <p:cTn id="1" dur="indefinite" restart="never" nodeType="tmRoot"/>
+        <p:cTn xmlns:p14="http://schemas.microsoft.com/office/powerpoint/2010/main" id="1" dur="indefinite" restart="never" nodeType="tmRoot"/>
       </p:par>
     </p:tnLst>
   </p:timing>
@@ -13482,7 +13475,7 @@
   <p:timing>
     <p:tnLst>
       <p:par>
-        <p:cTn id="1" dur="indefinite" restart="never" nodeType="tmRoot"/>
+        <p:cTn xmlns:p14="http://schemas.microsoft.com/office/powerpoint/2010/main" id="1" dur="indefinite" restart="never" nodeType="tmRoot"/>
       </p:par>
     </p:tnLst>
   </p:timing>
@@ -13669,7 +13662,7 @@
   <p:timing>
     <p:tnLst>
       <p:par>
-        <p:cTn id="1" dur="indefinite" restart="never" nodeType="tmRoot"/>
+        <p:cTn xmlns:p14="http://schemas.microsoft.com/office/powerpoint/2010/main" id="1" dur="indefinite" restart="never" nodeType="tmRoot"/>
       </p:par>
     </p:tnLst>
   </p:timing>
@@ -13743,14 +13736,14 @@
             <a:noFill/>
           </a:ln>
           <a:extLst>
-            <a:ext uri="{909E8E84-426E-40DD-AFC4-6F175D3DCCD1}">
+            <a:ext uri="{909E8E84-426E-40dd-AFC4-6F175D3DCCD1}">
               <a14:hiddenFill xmlns:a14="http://schemas.microsoft.com/office/drawing/2010/main">
                 <a:solidFill>
                   <a:srgbClr val="FFFFFF"/>
                 </a:solidFill>
               </a14:hiddenFill>
             </a:ext>
-            <a:ext uri="{91240B29-F687-4F45-9708-019B960494DF}">
+            <a:ext uri="{91240B29-F687-4f45-9708-019B960494DF}">
               <a14:hiddenLine xmlns:a14="http://schemas.microsoft.com/office/drawing/2010/main" w="9525">
                 <a:solidFill>
                   <a:srgbClr val="000000"/>
@@ -14145,13 +14138,6 @@
               </a:rPr>
               <a:t>angel.nunez@openedgetech.com</a:t>
             </a:r>
-            <a:endParaRPr lang="es-PE" dirty="0" smtClean="0">
-              <a:solidFill>
-                <a:srgbClr val="262626"/>
-              </a:solidFill>
-              <a:latin typeface="Calibri" pitchFamily="34" charset="0"/>
-              <a:cs typeface="+mn-cs"/>
-            </a:endParaRPr>
           </a:p>
           <a:p>
             <a:pPr eaLnBrk="1" hangingPunct="1">
@@ -14267,14 +14253,14 @@
             <a:noFill/>
           </a:ln>
           <a:extLst>
-            <a:ext uri="{909E8E84-426E-40DD-AFC4-6F175D3DCCD1}">
+            <a:ext uri="{909E8E84-426E-40dd-AFC4-6F175D3DCCD1}">
               <a14:hiddenFill xmlns:a14="http://schemas.microsoft.com/office/drawing/2010/main">
                 <a:solidFill>
                   <a:schemeClr val="accent1"/>
                 </a:solidFill>
               </a14:hiddenFill>
             </a:ext>
-            <a:ext uri="{91240B29-F687-4F45-9708-019B960494DF}">
+            <a:ext uri="{91240B29-F687-4f45-9708-019B960494DF}">
               <a14:hiddenLine xmlns:a14="http://schemas.microsoft.com/office/drawing/2010/main" w="9525">
                 <a:solidFill>
                   <a:schemeClr val="tx1"/>
@@ -14346,7 +14332,7 @@
   <p:timing>
     <p:tnLst>
       <p:par>
-        <p:cTn id="1" dur="indefinite" restart="never" nodeType="tmRoot"/>
+        <p:cTn xmlns:p14="http://schemas.microsoft.com/office/powerpoint/2010/main" id="1" dur="indefinite" restart="never" nodeType="tmRoot"/>
       </p:par>
     </p:tnLst>
   </p:timing>
@@ -14710,7 +14696,7 @@
             <a:noFill/>
           </a:ln>
           <a:extLst>
-            <a:ext uri="{909E8E84-426E-40DD-AFC4-6F175D3DCCD1}">
+            <a:ext uri="{909E8E84-426E-40dd-AFC4-6F175D3DCCD1}">
               <a14:hiddenFill xmlns:a14="http://schemas.microsoft.com/office/drawing/2010/main">
                 <a:solidFill>
                   <a:srgbClr val="FFFFFF"/>
@@ -14728,7 +14714,7 @@
   <p:timing>
     <p:tnLst>
       <p:par>
-        <p:cTn id="1" dur="indefinite" restart="never" nodeType="tmRoot"/>
+        <p:cTn xmlns:p14="http://schemas.microsoft.com/office/powerpoint/2010/main" id="1" dur="indefinite" restart="never" nodeType="tmRoot"/>
       </p:par>
     </p:tnLst>
   </p:timing>
@@ -14773,14 +14759,14 @@
             <a:noFill/>
           </a:ln>
           <a:extLst>
-            <a:ext uri="{909E8E84-426E-40DD-AFC4-6F175D3DCCD1}">
+            <a:ext uri="{909E8E84-426E-40dd-AFC4-6F175D3DCCD1}">
               <a14:hiddenFill xmlns:a14="http://schemas.microsoft.com/office/drawing/2010/main">
                 <a:solidFill>
                   <a:srgbClr val="FFFFFF"/>
                 </a:solidFill>
               </a14:hiddenFill>
             </a:ext>
-            <a:ext uri="{91240B29-F687-4F45-9708-019B960494DF}">
+            <a:ext uri="{91240B29-F687-4f45-9708-019B960494DF}">
               <a14:hiddenLine xmlns:a14="http://schemas.microsoft.com/office/drawing/2010/main" w="9525">
                 <a:solidFill>
                   <a:srgbClr val="000000"/>
@@ -15275,14 +15261,14 @@
               <a:noFill/>
             </a:ln>
             <a:extLst>
-              <a:ext uri="{909E8E84-426E-40DD-AFC4-6F175D3DCCD1}">
+              <a:ext uri="{909E8E84-426E-40dd-AFC4-6F175D3DCCD1}">
                 <a14:hiddenFill xmlns:a14="http://schemas.microsoft.com/office/drawing/2010/main">
                   <a:solidFill>
                     <a:srgbClr val="FFFFFF"/>
                   </a:solidFill>
                 </a14:hiddenFill>
               </a:ext>
-              <a:ext uri="{91240B29-F687-4F45-9708-019B960494DF}">
+              <a:ext uri="{91240B29-F687-4f45-9708-019B960494DF}">
                 <a14:hiddenLine xmlns:a14="http://schemas.microsoft.com/office/drawing/2010/main" w="9525">
                   <a:solidFill>
                     <a:srgbClr val="000000"/>
@@ -15316,14 +15302,14 @@
               <a:noFill/>
             </a:ln>
             <a:extLst>
-              <a:ext uri="{909E8E84-426E-40DD-AFC4-6F175D3DCCD1}">
+              <a:ext uri="{909E8E84-426E-40dd-AFC4-6F175D3DCCD1}">
                 <a14:hiddenFill xmlns:a14="http://schemas.microsoft.com/office/drawing/2010/main">
                   <a:solidFill>
                     <a:srgbClr val="FFFFFF"/>
                   </a:solidFill>
                 </a14:hiddenFill>
               </a:ext>
-              <a:ext uri="{91240B29-F687-4F45-9708-019B960494DF}">
+              <a:ext uri="{91240B29-F687-4f45-9708-019B960494DF}">
                 <a14:hiddenLine xmlns:a14="http://schemas.microsoft.com/office/drawing/2010/main" w="9525">
                   <a:solidFill>
                     <a:srgbClr val="000000"/>
@@ -15408,14 +15394,14 @@
               </a:outerShdw>
             </a:effectLst>
             <a:extLst>
-              <a:ext uri="{909E8E84-426E-40DD-AFC4-6F175D3DCCD1}">
+              <a:ext uri="{909E8E84-426E-40dd-AFC4-6F175D3DCCD1}">
                 <a14:hiddenFill xmlns:a14="http://schemas.microsoft.com/office/drawing/2010/main">
                   <a:solidFill>
                     <a:srgbClr val="FFFFFF"/>
                   </a:solidFill>
                 </a14:hiddenFill>
               </a:ext>
-              <a:ext uri="{91240B29-F687-4F45-9708-019B960494DF}">
+              <a:ext uri="{91240B29-F687-4f45-9708-019B960494DF}">
                 <a14:hiddenLine xmlns:a14="http://schemas.microsoft.com/office/drawing/2010/main" w="9525">
                   <a:solidFill>
                     <a:srgbClr val="000000"/>
@@ -15469,14 +15455,14 @@
               </a:outerShdw>
             </a:effectLst>
             <a:extLst>
-              <a:ext uri="{909E8E84-426E-40DD-AFC4-6F175D3DCCD1}">
+              <a:ext uri="{909E8E84-426E-40dd-AFC4-6F175D3DCCD1}">
                 <a14:hiddenFill xmlns:a14="http://schemas.microsoft.com/office/drawing/2010/main">
                   <a:solidFill>
                     <a:srgbClr val="FFFFFF"/>
                   </a:solidFill>
                 </a14:hiddenFill>
               </a:ext>
-              <a:ext uri="{91240B29-F687-4F45-9708-019B960494DF}">
+              <a:ext uri="{91240B29-F687-4f45-9708-019B960494DF}">
                 <a14:hiddenLine xmlns:a14="http://schemas.microsoft.com/office/drawing/2010/main" w="9525">
                   <a:solidFill>
                     <a:srgbClr val="000000"/>
@@ -15503,7 +15489,7 @@
   <p:timing>
     <p:tnLst>
       <p:par>
-        <p:cTn id="1" dur="indefinite" restart="never" nodeType="tmRoot"/>
+        <p:cTn xmlns:p14="http://schemas.microsoft.com/office/powerpoint/2010/main" id="1" dur="indefinite" restart="never" nodeType="tmRoot"/>
       </p:par>
     </p:tnLst>
   </p:timing>
@@ -15576,14 +15562,14 @@
             <a:noFill/>
           </a:ln>
           <a:extLst>
-            <a:ext uri="{909E8E84-426E-40DD-AFC4-6F175D3DCCD1}">
+            <a:ext uri="{909E8E84-426E-40dd-AFC4-6F175D3DCCD1}">
               <a14:hiddenFill xmlns:a14="http://schemas.microsoft.com/office/drawing/2010/main">
                 <a:solidFill>
                   <a:srgbClr val="FFFFFF"/>
                 </a:solidFill>
               </a14:hiddenFill>
             </a:ext>
-            <a:ext uri="{91240B29-F687-4F45-9708-019B960494DF}">
+            <a:ext uri="{91240B29-F687-4f45-9708-019B960494DF}">
               <a14:hiddenLine xmlns:a14="http://schemas.microsoft.com/office/drawing/2010/main" w="9525">
                 <a:solidFill>
                   <a:srgbClr val="000000"/>
@@ -16033,7 +16019,7 @@
   <p:timing>
     <p:tnLst>
       <p:par>
-        <p:cTn id="1" dur="indefinite" restart="never" nodeType="tmRoot"/>
+        <p:cTn xmlns:p14="http://schemas.microsoft.com/office/powerpoint/2010/main" id="1" dur="indefinite" restart="never" nodeType="tmRoot"/>
       </p:par>
     </p:tnLst>
   </p:timing>
@@ -16143,7 +16129,7 @@
   <p:timing>
     <p:tnLst>
       <p:par>
-        <p:cTn id="1" dur="indefinite" restart="never" nodeType="tmRoot"/>
+        <p:cTn xmlns:p14="http://schemas.microsoft.com/office/powerpoint/2010/main" id="1" dur="indefinite" restart="never" nodeType="tmRoot"/>
       </p:par>
     </p:tnLst>
   </p:timing>
@@ -16407,7 +16393,7 @@
           </a:prstGeom>
           <a:noFill/>
           <a:extLst>
-            <a:ext uri="{909E8E84-426E-40DD-AFC4-6F175D3DCCD1}">
+            <a:ext uri="{909E8E84-426E-40dd-AFC4-6F175D3DCCD1}">
               <a14:hiddenFill xmlns:a14="http://schemas.microsoft.com/office/drawing/2010/main">
                 <a:solidFill>
                   <a:srgbClr val="FFFFFF"/>
@@ -16425,7 +16411,7 @@
   <p:timing>
     <p:tnLst>
       <p:par>
-        <p:cTn id="1" dur="indefinite" restart="never" nodeType="tmRoot">
+        <p:cTn xmlns:p14="http://schemas.microsoft.com/office/powerpoint/2010/main" id="1" dur="indefinite" restart="never" nodeType="tmRoot">
           <p:childTnLst>
             <p:seq concurrent="1" nextAc="seek">
               <p:cTn id="2" dur="indefinite" nodeType="mainSeq">
@@ -17329,7 +17315,7 @@
   <p:timing>
     <p:tnLst>
       <p:par>
-        <p:cTn id="1" dur="indefinite" restart="never" nodeType="tmRoot"/>
+        <p:cTn xmlns:p14="http://schemas.microsoft.com/office/powerpoint/2010/main" id="1" dur="indefinite" restart="never" nodeType="tmRoot"/>
       </p:par>
     </p:tnLst>
   </p:timing>
@@ -18849,7 +18835,7 @@
   <p:timing>
     <p:tnLst>
       <p:par>
-        <p:cTn id="1" dur="indefinite" restart="never" nodeType="tmRoot"/>
+        <p:cTn xmlns:p14="http://schemas.microsoft.com/office/powerpoint/2010/main" id="1" dur="indefinite" restart="never" nodeType="tmRoot"/>
       </p:par>
     </p:tnLst>
   </p:timing>
@@ -19132,7 +19118,7 @@
   <p:timing>
     <p:tnLst>
       <p:par>
-        <p:cTn id="1" dur="indefinite" restart="never" nodeType="tmRoot"/>
+        <p:cTn xmlns:p14="http://schemas.microsoft.com/office/powerpoint/2010/main" id="1" dur="indefinite" restart="never" nodeType="tmRoot"/>
       </p:par>
     </p:tnLst>
   </p:timing>
@@ -19243,7 +19229,7 @@
   <p:timing>
     <p:tnLst>
       <p:par>
-        <p:cTn id="1" dur="indefinite" restart="never" nodeType="tmRoot"/>
+        <p:cTn xmlns:p14="http://schemas.microsoft.com/office/powerpoint/2010/main" id="1" dur="indefinite" restart="never" nodeType="tmRoot"/>
       </p:par>
     </p:tnLst>
   </p:timing>
@@ -19829,7 +19815,7 @@
   <p:timing>
     <p:tnLst>
       <p:par>
-        <p:cTn id="1" dur="indefinite" restart="never" nodeType="tmRoot"/>
+        <p:cTn xmlns:p14="http://schemas.microsoft.com/office/powerpoint/2010/main" id="1" dur="indefinite" restart="never" nodeType="tmRoot"/>
       </p:par>
     </p:tnLst>
   </p:timing>
@@ -19953,7 +19939,7 @@
   <p:timing>
     <p:tnLst>
       <p:par>
-        <p:cTn id="1" dur="indefinite" restart="never" nodeType="tmRoot"/>
+        <p:cTn xmlns:p14="http://schemas.microsoft.com/office/powerpoint/2010/main" id="1" dur="indefinite" restart="never" nodeType="tmRoot"/>
       </p:par>
     </p:tnLst>
   </p:timing>
